--- a/Progetto1.0 review1/CommuniTEDx_1.0 - review.pptx
+++ b/Progetto1.0 review1/CommuniTEDx_1.0 - review.pptx
@@ -5,59 +5,58 @@
     <p:sldMasterId id="2147483678" r:id="rId1"/>
   </p:sldMasterIdLst>
   <p:notesMasterIdLst>
-    <p:notesMasterId r:id="rId15"/>
+    <p:notesMasterId r:id="rId14"/>
   </p:notesMasterIdLst>
   <p:sldIdLst>
     <p:sldId id="256" r:id="rId2"/>
     <p:sldId id="260" r:id="rId3"/>
     <p:sldId id="298" r:id="rId4"/>
     <p:sldId id="304" r:id="rId5"/>
-    <p:sldId id="305" r:id="rId6"/>
-    <p:sldId id="299" r:id="rId7"/>
-    <p:sldId id="263" r:id="rId8"/>
-    <p:sldId id="306" r:id="rId9"/>
-    <p:sldId id="302" r:id="rId10"/>
-    <p:sldId id="257" r:id="rId11"/>
-    <p:sldId id="301" r:id="rId12"/>
-    <p:sldId id="303" r:id="rId13"/>
-    <p:sldId id="300" r:id="rId14"/>
+    <p:sldId id="299" r:id="rId6"/>
+    <p:sldId id="263" r:id="rId7"/>
+    <p:sldId id="306" r:id="rId8"/>
+    <p:sldId id="302" r:id="rId9"/>
+    <p:sldId id="257" r:id="rId10"/>
+    <p:sldId id="301" r:id="rId11"/>
+    <p:sldId id="303" r:id="rId12"/>
+    <p:sldId id="300" r:id="rId13"/>
   </p:sldIdLst>
   <p:sldSz cx="9144000" cy="5143500" type="screen16x9"/>
   <p:notesSz cx="6858000" cy="9144000"/>
   <p:embeddedFontLst>
     <p:embeddedFont>
       <p:font typeface="Manrope Light" panose="020B0604020202020204" charset="0"/>
-      <p:regular r:id="rId16"/>
-      <p:bold r:id="rId17"/>
+      <p:regular r:id="rId15"/>
+      <p:bold r:id="rId16"/>
     </p:embeddedFont>
     <p:embeddedFont>
       <p:font typeface="Manrope Medium" panose="020B0604020202020204" charset="0"/>
-      <p:regular r:id="rId18"/>
-      <p:bold r:id="rId19"/>
+      <p:regular r:id="rId17"/>
+      <p:bold r:id="rId18"/>
     </p:embeddedFont>
     <p:embeddedFont>
       <p:font typeface="Manrope SemiBold" panose="020B0604020202020204" charset="0"/>
-      <p:regular r:id="rId20"/>
-      <p:bold r:id="rId21"/>
+      <p:regular r:id="rId19"/>
+      <p:bold r:id="rId20"/>
     </p:embeddedFont>
     <p:embeddedFont>
       <p:font typeface="Montserrat" panose="00000500000000000000" pitchFamily="2" charset="0"/>
-      <p:regular r:id="rId22"/>
-      <p:bold r:id="rId23"/>
-      <p:italic r:id="rId24"/>
-      <p:boldItalic r:id="rId25"/>
+      <p:regular r:id="rId21"/>
+      <p:bold r:id="rId22"/>
+      <p:italic r:id="rId23"/>
+      <p:boldItalic r:id="rId24"/>
     </p:embeddedFont>
     <p:embeddedFont>
       <p:font typeface="Nunito Light" pitchFamily="2" charset="0"/>
-      <p:regular r:id="rId26"/>
-      <p:italic r:id="rId27"/>
+      <p:regular r:id="rId25"/>
+      <p:italic r:id="rId26"/>
     </p:embeddedFont>
     <p:embeddedFont>
       <p:font typeface="Raleway" pitchFamily="2" charset="0"/>
-      <p:regular r:id="rId28"/>
-      <p:bold r:id="rId29"/>
-      <p:italic r:id="rId30"/>
-      <p:boldItalic r:id="rId31"/>
+      <p:regular r:id="rId27"/>
+      <p:bold r:id="rId28"/>
+      <p:italic r:id="rId29"/>
+      <p:boldItalic r:id="rId30"/>
     </p:embeddedFont>
   </p:embeddedFontLst>
   <p:defaultTextStyle>
@@ -1261,11 +1260,6 @@
         </p:txBody>
       </p:sp>
     </p:spTree>
-    <p:extLst>
-      <p:ext uri="{BB962C8B-B14F-4D97-AF65-F5344CB8AC3E}">
-        <p14:creationId xmlns:p14="http://schemas.microsoft.com/office/powerpoint/2010/main" val="1106196779"/>
-      </p:ext>
-    </p:extLst>
   </p:cSld>
   <p:clrMapOvr>
     <a:masterClrMapping/>
@@ -1274,110 +1268,6 @@
 </file>
 
 <file path=ppt/notesSlides/notesSlide6.xml><?xml version="1.0" encoding="utf-8"?>
-<p:notes xmlns:a="http://schemas.openxmlformats.org/drawingml/2006/main" xmlns:r="http://schemas.openxmlformats.org/officeDocument/2006/relationships" xmlns:p="http://schemas.openxmlformats.org/presentationml/2006/main" showMasterSp="0" showMasterPhAnim="0">
-  <p:cSld>
-    <p:spTree>
-      <p:nvGrpSpPr>
-        <p:cNvPr id="1" name="Shape 1068"/>
-        <p:cNvGrpSpPr/>
-        <p:nvPr/>
-      </p:nvGrpSpPr>
-      <p:grpSpPr>
-        <a:xfrm>
-          <a:off x="0" y="0"/>
-          <a:ext cx="0" cy="0"/>
-          <a:chOff x="0" y="0"/>
-          <a:chExt cx="0" cy="0"/>
-        </a:xfrm>
-      </p:grpSpPr>
-      <p:sp>
-        <p:nvSpPr>
-          <p:cNvPr id="1069" name="Google Shape;1069;g1910c9cffe2_0_69:notes"/>
-          <p:cNvSpPr>
-            <a:spLocks noGrp="1" noRot="1" noChangeAspect="1"/>
-          </p:cNvSpPr>
-          <p:nvPr>
-            <p:ph type="sldImg" idx="2"/>
-          </p:nvPr>
-        </p:nvSpPr>
-        <p:spPr>
-          <a:xfrm>
-            <a:off x="381000" y="685800"/>
-            <a:ext cx="6096000" cy="3429000"/>
-          </a:xfrm>
-          <a:custGeom>
-            <a:avLst/>
-            <a:gdLst/>
-            <a:ahLst/>
-            <a:cxnLst/>
-            <a:rect l="l" t="t" r="r" b="b"/>
-            <a:pathLst>
-              <a:path w="120000" h="120000" extrusionOk="0">
-                <a:moveTo>
-                  <a:pt x="0" y="0"/>
-                </a:moveTo>
-                <a:lnTo>
-                  <a:pt x="120000" y="0"/>
-                </a:lnTo>
-                <a:lnTo>
-                  <a:pt x="120000" y="120000"/>
-                </a:lnTo>
-                <a:lnTo>
-                  <a:pt x="0" y="120000"/>
-                </a:lnTo>
-                <a:close/>
-              </a:path>
-            </a:pathLst>
-          </a:custGeom>
-        </p:spPr>
-      </p:sp>
-      <p:sp>
-        <p:nvSpPr>
-          <p:cNvPr id="1070" name="Google Shape;1070;g1910c9cffe2_0_69:notes"/>
-          <p:cNvSpPr txBox="1">
-            <a:spLocks noGrp="1"/>
-          </p:cNvSpPr>
-          <p:nvPr>
-            <p:ph type="body" idx="1"/>
-          </p:nvPr>
-        </p:nvSpPr>
-        <p:spPr>
-          <a:xfrm>
-            <a:off x="685800" y="4343400"/>
-            <a:ext cx="5486400" cy="4114800"/>
-          </a:xfrm>
-          <a:prstGeom prst="rect">
-            <a:avLst/>
-          </a:prstGeom>
-        </p:spPr>
-        <p:txBody>
-          <a:bodyPr spcFirstLastPara="1" wrap="square" lIns="91425" tIns="91425" rIns="91425" bIns="91425" anchor="t" anchorCtr="0">
-            <a:noAutofit/>
-          </a:bodyPr>
-          <a:lstStyle/>
-          <a:p>
-            <a:pPr marL="0" lvl="0" indent="0" algn="l" rtl="0">
-              <a:spcBef>
-                <a:spcPts val="0"/>
-              </a:spcBef>
-              <a:spcAft>
-                <a:spcPts val="0"/>
-              </a:spcAft>
-              <a:buNone/>
-            </a:pPr>
-            <a:endParaRPr/>
-          </a:p>
-        </p:txBody>
-      </p:sp>
-    </p:spTree>
-  </p:cSld>
-  <p:clrMapOvr>
-    <a:masterClrMapping/>
-  </p:clrMapOvr>
-</p:notes>
-</file>
-
-<file path=ppt/notesSlides/notesSlide7.xml><?xml version="1.0" encoding="utf-8"?>
 <p:notes xmlns:a="http://schemas.openxmlformats.org/drawingml/2006/main" xmlns:r="http://schemas.openxmlformats.org/officeDocument/2006/relationships" xmlns:p="http://schemas.openxmlformats.org/presentationml/2006/main" showMasterSp="0" showMasterPhAnim="0">
   <p:cSld>
     <p:spTree>
@@ -1481,7 +1371,7 @@
 </p:notes>
 </file>
 
-<file path=ppt/notesSlides/notesSlide8.xml><?xml version="1.0" encoding="utf-8"?>
+<file path=ppt/notesSlides/notesSlide7.xml><?xml version="1.0" encoding="utf-8"?>
 <p:notes xmlns:a="http://schemas.openxmlformats.org/drawingml/2006/main" xmlns:r="http://schemas.openxmlformats.org/officeDocument/2006/relationships" xmlns:p="http://schemas.openxmlformats.org/presentationml/2006/main" showMasterSp="0" showMasterPhAnim="0">
   <p:cSld>
     <p:spTree>
@@ -26860,103 +26750,6 @@
   <p:cSld>
     <p:spTree>
       <p:nvGrpSpPr>
-        <p:cNvPr id="1" name="Shape 927"/>
-        <p:cNvGrpSpPr/>
-        <p:nvPr/>
-      </p:nvGrpSpPr>
-      <p:grpSpPr>
-        <a:xfrm>
-          <a:off x="0" y="0"/>
-          <a:ext cx="0" cy="0"/>
-          <a:chOff x="0" y="0"/>
-          <a:chExt cx="0" cy="0"/>
-        </a:xfrm>
-      </p:grpSpPr>
-      <p:sp>
-        <p:nvSpPr>
-          <p:cNvPr id="928" name="Google Shape;928;p34"/>
-          <p:cNvSpPr txBox="1">
-            <a:spLocks noGrp="1"/>
-          </p:cNvSpPr>
-          <p:nvPr>
-            <p:ph type="title"/>
-          </p:nvPr>
-        </p:nvSpPr>
-        <p:spPr>
-          <a:xfrm>
-            <a:off x="422634" y="0"/>
-            <a:ext cx="7704000" cy="572700"/>
-          </a:xfrm>
-          <a:prstGeom prst="rect">
-            <a:avLst/>
-          </a:prstGeom>
-        </p:spPr>
-        <p:txBody>
-          <a:bodyPr spcFirstLastPara="1" wrap="square" lIns="91425" tIns="91425" rIns="91425" bIns="91425" anchor="t" anchorCtr="0">
-            <a:noAutofit/>
-          </a:bodyPr>
-          <a:lstStyle/>
-          <a:p>
-            <a:pPr marL="0" lvl="0" indent="0" algn="l" rtl="0">
-              <a:spcBef>
-                <a:spcPts val="0"/>
-              </a:spcBef>
-              <a:spcAft>
-                <a:spcPts val="0"/>
-              </a:spcAft>
-              <a:buNone/>
-            </a:pPr>
-            <a:r>
-              <a:rPr lang="en" dirty="0"/>
-              <a:t>Architettura</a:t>
-            </a:r>
-            <a:endParaRPr dirty="0"/>
-          </a:p>
-        </p:txBody>
-      </p:sp>
-      <p:pic>
-        <p:nvPicPr>
-          <p:cNvPr id="6" name="Immagine 5">
-            <a:extLst>
-              <a:ext uri="{FF2B5EF4-FFF2-40B4-BE49-F238E27FC236}">
-                <a16:creationId xmlns:a16="http://schemas.microsoft.com/office/drawing/2014/main" id="{1545ADB6-17E9-BF48-1353-20ED36CF76C5}"/>
-              </a:ext>
-            </a:extLst>
-          </p:cNvPr>
-          <p:cNvPicPr>
-            <a:picLocks noChangeAspect="1"/>
-          </p:cNvPicPr>
-          <p:nvPr/>
-        </p:nvPicPr>
-        <p:blipFill>
-          <a:blip r:embed="rId3"/>
-          <a:stretch>
-            <a:fillRect/>
-          </a:stretch>
-        </p:blipFill>
-        <p:spPr>
-          <a:xfrm>
-            <a:off x="622794" y="470397"/>
-            <a:ext cx="7898411" cy="4586621"/>
-          </a:xfrm>
-          <a:prstGeom prst="rect">
-            <a:avLst/>
-          </a:prstGeom>
-        </p:spPr>
-      </p:pic>
-    </p:spTree>
-  </p:cSld>
-  <p:clrMapOvr>
-    <a:masterClrMapping/>
-  </p:clrMapOvr>
-</p:sld>
-</file>
-
-<file path=ppt/slides/slide11.xml><?xml version="1.0" encoding="utf-8"?>
-<p:sld xmlns:a="http://schemas.openxmlformats.org/drawingml/2006/main" xmlns:r="http://schemas.openxmlformats.org/officeDocument/2006/relationships" xmlns:p="http://schemas.openxmlformats.org/presentationml/2006/main">
-  <p:cSld>
-    <p:spTree>
-      <p:nvGrpSpPr>
         <p:cNvPr id="1" name=""/>
         <p:cNvGrpSpPr/>
         <p:nvPr/>
@@ -27080,7 +26873,7 @@
 </p:sld>
 </file>
 
-<file path=ppt/slides/slide12.xml><?xml version="1.0" encoding="utf-8"?>
+<file path=ppt/slides/slide11.xml><?xml version="1.0" encoding="utf-8"?>
 <p:sld xmlns:a="http://schemas.openxmlformats.org/drawingml/2006/main" xmlns:r="http://schemas.openxmlformats.org/officeDocument/2006/relationships" xmlns:p="http://schemas.openxmlformats.org/presentationml/2006/main">
   <p:cSld>
     <p:spTree>
@@ -27175,7 +26968,7 @@
 </p:sld>
 </file>
 
-<file path=ppt/slides/slide13.xml><?xml version="1.0" encoding="utf-8"?>
+<file path=ppt/slides/slide12.xml><?xml version="1.0" encoding="utf-8"?>
 <p:sld xmlns:a="http://schemas.openxmlformats.org/drawingml/2006/main" xmlns:r="http://schemas.openxmlformats.org/officeDocument/2006/relationships" xmlns:p="http://schemas.openxmlformats.org/presentationml/2006/main">
   <p:cSld>
     <p:spTree>
@@ -32783,7 +32576,7 @@
             </a:pPr>
             <a:r>
               <a:rPr lang="it-IT" dirty="0"/>
-              <a:t>Possibilità di conversazione con tutti gli utenti o solo con i collegamenti</a:t>
+              <a:t>Possibilità di conversazione con tutti gli utenti o solo con i collegamenti?</a:t>
             </a:r>
           </a:p>
         </p:txBody>
@@ -33238,346 +33031,14 @@
             </a:pPr>
             <a:r>
               <a:rPr lang="it-IT" dirty="0"/>
-              <a:t>Servizi a cui può accedere un utente non autenticato</a:t>
+              <a:t>Quali sono i servizi a cui può accedere un utente non autenticato?</a:t>
             </a:r>
-          </a:p>
-        </p:txBody>
-      </p:sp>
-    </p:spTree>
-    <p:extLst>
-      <p:ext uri="{BB962C8B-B14F-4D97-AF65-F5344CB8AC3E}">
-        <p14:creationId xmlns:p14="http://schemas.microsoft.com/office/powerpoint/2010/main" val="4150503591"/>
-      </p:ext>
-    </p:extLst>
-  </p:cSld>
-  <p:clrMapOvr>
-    <a:masterClrMapping/>
-  </p:clrMapOvr>
-</p:sld>
-</file>
-
-<file path=ppt/slides/slide5.xml><?xml version="1.0" encoding="utf-8"?>
-<p:sld xmlns:a="http://schemas.openxmlformats.org/drawingml/2006/main" xmlns:r="http://schemas.openxmlformats.org/officeDocument/2006/relationships" xmlns:p="http://schemas.openxmlformats.org/presentationml/2006/main">
-  <p:cSld>
-    <p:spTree>
-      <p:nvGrpSpPr>
-        <p:cNvPr id="1" name="Shape 1071"/>
-        <p:cNvGrpSpPr/>
-        <p:nvPr/>
-      </p:nvGrpSpPr>
-      <p:grpSpPr>
-        <a:xfrm>
-          <a:off x="0" y="0"/>
-          <a:ext cx="0" cy="0"/>
-          <a:chOff x="0" y="0"/>
-          <a:chExt cx="0" cy="0"/>
-        </a:xfrm>
-      </p:grpSpPr>
-      <p:sp>
-        <p:nvSpPr>
-          <p:cNvPr id="1072" name="Google Shape;1072;p40"/>
-          <p:cNvSpPr txBox="1">
-            <a:spLocks noGrp="1"/>
-          </p:cNvSpPr>
-          <p:nvPr>
-            <p:ph type="title"/>
-          </p:nvPr>
-        </p:nvSpPr>
-        <p:spPr>
-          <a:xfrm>
-            <a:off x="713250" y="445025"/>
-            <a:ext cx="5159726" cy="572700"/>
-          </a:xfrm>
-          <a:prstGeom prst="rect">
-            <a:avLst/>
-          </a:prstGeom>
-        </p:spPr>
-        <p:txBody>
-          <a:bodyPr spcFirstLastPara="1" wrap="square" lIns="91425" tIns="91425" rIns="91425" bIns="91425" anchor="t" anchorCtr="0">
-            <a:noAutofit/>
-          </a:bodyPr>
-          <a:lstStyle/>
-          <a:p>
-            <a:pPr marL="0" lvl="0" indent="0" algn="l" rtl="0">
-              <a:spcBef>
-                <a:spcPts val="0"/>
-              </a:spcBef>
-              <a:spcAft>
-                <a:spcPts val="0"/>
-              </a:spcAft>
-              <a:buNone/>
-            </a:pPr>
-            <a:r>
-              <a:rPr lang="en" dirty="0"/>
-              <a:t>Criticità</a:t>
-            </a:r>
-            <a:endParaRPr dirty="0"/>
           </a:p>
         </p:txBody>
       </p:sp>
       <p:grpSp>
         <p:nvGrpSpPr>
-          <p:cNvPr id="1079" name="Google Shape;1079;p40"/>
-          <p:cNvGrpSpPr/>
-          <p:nvPr/>
-        </p:nvGrpSpPr>
-        <p:grpSpPr>
-          <a:xfrm rot="5400000">
-            <a:off x="1349650" y="3025707"/>
-            <a:ext cx="218100" cy="2933700"/>
-            <a:chOff x="8321275" y="2721525"/>
-            <a:chExt cx="218100" cy="2933700"/>
-          </a:xfrm>
-        </p:grpSpPr>
-        <p:sp>
-          <p:nvSpPr>
-            <p:cNvPr id="1080" name="Google Shape;1080;p40"/>
-            <p:cNvSpPr/>
-            <p:nvPr/>
-          </p:nvSpPr>
-          <p:spPr>
-            <a:xfrm>
-              <a:off x="8321275" y="2721525"/>
-              <a:ext cx="218100" cy="218100"/>
-            </a:xfrm>
-            <a:prstGeom prst="ellipse">
-              <a:avLst/>
-            </a:prstGeom>
-            <a:solidFill>
-              <a:schemeClr val="accent2"/>
-            </a:solidFill>
-            <a:ln w="9525" cap="flat" cmpd="sng">
-              <a:solidFill>
-                <a:schemeClr val="dk1"/>
-              </a:solidFill>
-              <a:prstDash val="solid"/>
-              <a:round/>
-              <a:headEnd type="none" w="sm" len="sm"/>
-              <a:tailEnd type="none" w="sm" len="sm"/>
-            </a:ln>
-            <a:effectLst>
-              <a:outerShdw dist="28575" dir="5280000" algn="bl" rotWithShape="0">
-                <a:schemeClr val="dk1"/>
-              </a:outerShdw>
-            </a:effectLst>
-          </p:spPr>
-          <p:txBody>
-            <a:bodyPr spcFirstLastPara="1" wrap="square" lIns="91425" tIns="91425" rIns="91425" bIns="91425" anchor="ctr" anchorCtr="0">
-              <a:noAutofit/>
-            </a:bodyPr>
-            <a:lstStyle/>
-            <a:p>
-              <a:pPr marL="0" lvl="0" indent="0" algn="ctr" rtl="0">
-                <a:spcBef>
-                  <a:spcPts val="0"/>
-                </a:spcBef>
-                <a:spcAft>
-                  <a:spcPts val="0"/>
-                </a:spcAft>
-                <a:buNone/>
-              </a:pPr>
-              <a:endParaRPr>
-                <a:latin typeface="Montserrat"/>
-                <a:ea typeface="Montserrat"/>
-                <a:cs typeface="Montserrat"/>
-                <a:sym typeface="Montserrat"/>
-              </a:endParaRPr>
-            </a:p>
-          </p:txBody>
-        </p:sp>
-        <p:cxnSp>
-          <p:nvCxnSpPr>
-            <p:cNvPr id="1081" name="Google Shape;1081;p40"/>
-            <p:cNvCxnSpPr>
-              <a:stCxn id="1080" idx="4"/>
-            </p:cNvCxnSpPr>
-            <p:nvPr/>
-          </p:nvCxnSpPr>
-          <p:spPr>
-            <a:xfrm rot="5400000">
-              <a:off x="7072525" y="4297425"/>
-              <a:ext cx="2715600" cy="0"/>
-            </a:xfrm>
-            <a:prstGeom prst="straightConnector1">
-              <a:avLst/>
-            </a:prstGeom>
-            <a:noFill/>
-            <a:ln w="9525" cap="flat" cmpd="sng">
-              <a:solidFill>
-                <a:schemeClr val="dk1"/>
-              </a:solidFill>
-              <a:prstDash val="solid"/>
-              <a:round/>
-              <a:headEnd type="none" w="med" len="med"/>
-              <a:tailEnd type="none" w="med" len="med"/>
-            </a:ln>
-          </p:spPr>
-        </p:cxnSp>
-      </p:grpSp>
-      <p:grpSp>
-        <p:nvGrpSpPr>
-          <p:cNvPr id="2" name="Google Shape;1769;p54">
-            <a:extLst>
-              <a:ext uri="{FF2B5EF4-FFF2-40B4-BE49-F238E27FC236}">
-                <a16:creationId xmlns:a16="http://schemas.microsoft.com/office/drawing/2014/main" id="{B4BFAD17-11EF-D78B-0EE1-0DE02A9A0A0B}"/>
-              </a:ext>
-            </a:extLst>
-          </p:cNvPr>
-          <p:cNvGrpSpPr/>
-          <p:nvPr/>
-        </p:nvGrpSpPr>
-        <p:grpSpPr>
-          <a:xfrm>
-            <a:off x="7510050" y="1013079"/>
-            <a:ext cx="920700" cy="384900"/>
-            <a:chOff x="3034875" y="3610225"/>
-            <a:chExt cx="920700" cy="384900"/>
-          </a:xfrm>
-        </p:grpSpPr>
-        <p:sp>
-          <p:nvSpPr>
-            <p:cNvPr id="3" name="Google Shape;1770;p54">
-              <a:extLst>
-                <a:ext uri="{FF2B5EF4-FFF2-40B4-BE49-F238E27FC236}">
-                  <a16:creationId xmlns:a16="http://schemas.microsoft.com/office/drawing/2014/main" id="{8C941354-A95E-E901-7DB3-1FD24F549A6C}"/>
-                </a:ext>
-              </a:extLst>
-            </p:cNvPr>
-            <p:cNvSpPr/>
-            <p:nvPr/>
-          </p:nvSpPr>
-          <p:spPr>
-            <a:xfrm>
-              <a:off x="3034875" y="3610225"/>
-              <a:ext cx="920700" cy="384900"/>
-            </a:xfrm>
-            <a:prstGeom prst="rect">
-              <a:avLst/>
-            </a:prstGeom>
-            <a:noFill/>
-            <a:ln w="9525" cap="flat" cmpd="sng">
-              <a:solidFill>
-                <a:schemeClr val="dk1"/>
-              </a:solidFill>
-              <a:prstDash val="solid"/>
-              <a:round/>
-              <a:headEnd type="none" w="sm" len="sm"/>
-              <a:tailEnd type="none" w="sm" len="sm"/>
-            </a:ln>
-          </p:spPr>
-          <p:txBody>
-            <a:bodyPr spcFirstLastPara="1" wrap="square" lIns="91425" tIns="91425" rIns="91425" bIns="91425" anchor="ctr" anchorCtr="0">
-              <a:noAutofit/>
-            </a:bodyPr>
-            <a:lstStyle/>
-            <a:p>
-              <a:pPr marL="0" lvl="0" indent="0" algn="ctr" rtl="0">
-                <a:spcBef>
-                  <a:spcPts val="0"/>
-                </a:spcBef>
-                <a:spcAft>
-                  <a:spcPts val="0"/>
-                </a:spcAft>
-                <a:buNone/>
-              </a:pPr>
-              <a:endParaRPr>
-                <a:latin typeface="Montserrat"/>
-                <a:ea typeface="Montserrat"/>
-                <a:cs typeface="Montserrat"/>
-                <a:sym typeface="Montserrat"/>
-              </a:endParaRPr>
-            </a:p>
-          </p:txBody>
-        </p:sp>
-        <p:grpSp>
-          <p:nvGrpSpPr>
-            <p:cNvPr id="4" name="Google Shape;1771;p54">
-              <a:extLst>
-                <a:ext uri="{FF2B5EF4-FFF2-40B4-BE49-F238E27FC236}">
-                  <a16:creationId xmlns:a16="http://schemas.microsoft.com/office/drawing/2014/main" id="{548B8FD2-85DD-02D8-5BC6-805C9462146C}"/>
-                </a:ext>
-              </a:extLst>
-            </p:cNvPr>
-            <p:cNvGrpSpPr/>
-            <p:nvPr/>
-          </p:nvGrpSpPr>
-          <p:grpSpPr>
-            <a:xfrm rot="2700000">
-              <a:off x="3669878" y="3712117"/>
-              <a:ext cx="143728" cy="142172"/>
-              <a:chOff x="3022600" y="3621750"/>
-              <a:chExt cx="166200" cy="164400"/>
-            </a:xfrm>
-          </p:grpSpPr>
-          <p:cxnSp>
-            <p:nvCxnSpPr>
-              <p:cNvPr id="5" name="Google Shape;1772;p54">
-                <a:extLst>
-                  <a:ext uri="{FF2B5EF4-FFF2-40B4-BE49-F238E27FC236}">
-                    <a16:creationId xmlns:a16="http://schemas.microsoft.com/office/drawing/2014/main" id="{B9111844-B10E-8F55-EDD4-DF35CEB6D613}"/>
-                  </a:ext>
-                </a:extLst>
-              </p:cNvPr>
-              <p:cNvCxnSpPr/>
-              <p:nvPr/>
-            </p:nvCxnSpPr>
-            <p:spPr>
-              <a:xfrm>
-                <a:off x="3188800" y="3621750"/>
-                <a:ext cx="0" cy="164400"/>
-              </a:xfrm>
-              <a:prstGeom prst="straightConnector1">
-                <a:avLst/>
-              </a:prstGeom>
-              <a:noFill/>
-              <a:ln w="9525" cap="flat" cmpd="sng">
-                <a:solidFill>
-                  <a:schemeClr val="dk1"/>
-                </a:solidFill>
-                <a:prstDash val="solid"/>
-                <a:round/>
-                <a:headEnd type="none" w="med" len="med"/>
-                <a:tailEnd type="none" w="med" len="med"/>
-              </a:ln>
-            </p:spPr>
-          </p:cxnSp>
-          <p:cxnSp>
-            <p:nvCxnSpPr>
-              <p:cNvPr id="6" name="Google Shape;1773;p54">
-                <a:extLst>
-                  <a:ext uri="{FF2B5EF4-FFF2-40B4-BE49-F238E27FC236}">
-                    <a16:creationId xmlns:a16="http://schemas.microsoft.com/office/drawing/2014/main" id="{262F701D-7154-7832-2756-15A00E9CF664}"/>
-                  </a:ext>
-                </a:extLst>
-              </p:cNvPr>
-              <p:cNvCxnSpPr/>
-              <p:nvPr/>
-            </p:nvCxnSpPr>
-            <p:spPr>
-              <a:xfrm>
-                <a:off x="3022600" y="3780825"/>
-                <a:ext cx="166200" cy="0"/>
-              </a:xfrm>
-              <a:prstGeom prst="straightConnector1">
-                <a:avLst/>
-              </a:prstGeom>
-              <a:noFill/>
-              <a:ln w="9525" cap="flat" cmpd="sng">
-                <a:solidFill>
-                  <a:schemeClr val="dk1"/>
-                </a:solidFill>
-                <a:prstDash val="solid"/>
-                <a:round/>
-                <a:headEnd type="none" w="med" len="med"/>
-                <a:tailEnd type="none" w="med" len="med"/>
-              </a:ln>
-            </p:spPr>
-          </p:cxnSp>
-        </p:grpSp>
-      </p:grpSp>
-      <p:grpSp>
-        <p:nvGrpSpPr>
-          <p:cNvPr id="7" name="Google Shape;1764;p54">
+          <p:cNvPr id="12" name="Google Shape;1764;p54">
             <a:extLst>
               <a:ext uri="{FF2B5EF4-FFF2-40B4-BE49-F238E27FC236}">
                 <a16:creationId xmlns:a16="http://schemas.microsoft.com/office/drawing/2014/main" id="{B69DC315-FACB-456A-B2A3-802B86698716}"/>
@@ -33589,7 +33050,7 @@
         </p:nvGrpSpPr>
         <p:grpSpPr>
           <a:xfrm>
-            <a:off x="713250" y="1500180"/>
+            <a:off x="713250" y="2701146"/>
             <a:ext cx="437700" cy="437700"/>
             <a:chOff x="2149100" y="3583825"/>
             <a:chExt cx="437700" cy="437700"/>
@@ -33600,7 +33061,7 @@
         </p:grpSpPr>
         <p:sp>
           <p:nvSpPr>
-            <p:cNvPr id="8" name="Google Shape;1765;p54">
+            <p:cNvPr id="13" name="Google Shape;1765;p54">
               <a:extLst>
                 <a:ext uri="{FF2B5EF4-FFF2-40B4-BE49-F238E27FC236}">
                   <a16:creationId xmlns:a16="http://schemas.microsoft.com/office/drawing/2014/main" id="{3E3F77DE-C0FF-1734-2DCB-70C4AB344A8B}"/>
@@ -33655,7 +33116,7 @@
         </p:sp>
         <p:grpSp>
           <p:nvGrpSpPr>
-            <p:cNvPr id="9" name="Google Shape;1766;p54">
+            <p:cNvPr id="14" name="Google Shape;1766;p54">
               <a:extLst>
                 <a:ext uri="{FF2B5EF4-FFF2-40B4-BE49-F238E27FC236}">
                   <a16:creationId xmlns:a16="http://schemas.microsoft.com/office/drawing/2014/main" id="{D1B9A73A-8BD2-6152-FE4E-29A5EBB9035C}"/>
@@ -33676,7 +33137,7 @@
           </p:grpSpPr>
           <p:cxnSp>
             <p:nvCxnSpPr>
-              <p:cNvPr id="10" name="Google Shape;1767;p54">
+              <p:cNvPr id="15" name="Google Shape;1767;p54">
                 <a:extLst>
                   <a:ext uri="{FF2B5EF4-FFF2-40B4-BE49-F238E27FC236}">
                     <a16:creationId xmlns:a16="http://schemas.microsoft.com/office/drawing/2014/main" id="{A87CFAB1-41E4-5B87-6D33-F5DB79189807}"/>
@@ -33708,7 +33169,7 @@
           </p:cxnSp>
           <p:cxnSp>
             <p:nvCxnSpPr>
-              <p:cNvPr id="11" name="Google Shape;1768;p54">
+              <p:cNvPr id="16" name="Google Shape;1768;p54">
                 <a:extLst>
                   <a:ext uri="{FF2B5EF4-FFF2-40B4-BE49-F238E27FC236}">
                     <a16:creationId xmlns:a16="http://schemas.microsoft.com/office/drawing/2014/main" id="{0928593D-84CF-F1A6-3B74-59E3E07D716F}"/>
@@ -33742,7 +33203,7 @@
       </p:grpSp>
       <p:sp>
         <p:nvSpPr>
-          <p:cNvPr id="17" name="Google Shape;991;p37">
+          <p:cNvPr id="18" name="Google Shape;991;p37">
             <a:extLst>
               <a:ext uri="{FF2B5EF4-FFF2-40B4-BE49-F238E27FC236}">
                 <a16:creationId xmlns:a16="http://schemas.microsoft.com/office/drawing/2014/main" id="{310B2FCC-C44A-528C-2380-4575D7354AD4}"/>
@@ -33756,7 +33217,7 @@
         </p:nvSpPr>
         <p:spPr>
           <a:xfrm>
-            <a:off x="1332310" y="1521992"/>
+            <a:off x="1332310" y="2722958"/>
             <a:ext cx="5878812" cy="498299"/>
           </a:xfrm>
           <a:prstGeom prst="rect">
@@ -34032,7 +33493,7 @@
       </p:sp>
       <p:grpSp>
         <p:nvGrpSpPr>
-          <p:cNvPr id="27" name="Google Shape;1764;p54">
+          <p:cNvPr id="19" name="Google Shape;1764;p54">
             <a:extLst>
               <a:ext uri="{FF2B5EF4-FFF2-40B4-BE49-F238E27FC236}">
                 <a16:creationId xmlns:a16="http://schemas.microsoft.com/office/drawing/2014/main" id="{B78D11CB-4895-44C3-72C1-ECD6E790D3D3}"/>
@@ -34044,7 +33505,7 @@
         </p:nvGrpSpPr>
         <p:grpSpPr>
           <a:xfrm>
-            <a:off x="713250" y="2086858"/>
+            <a:off x="713250" y="3287824"/>
             <a:ext cx="437700" cy="437700"/>
             <a:chOff x="2149100" y="3583825"/>
             <a:chExt cx="437700" cy="437700"/>
@@ -34055,7 +33516,7 @@
         </p:grpSpPr>
         <p:sp>
           <p:nvSpPr>
-            <p:cNvPr id="28" name="Google Shape;1765;p54">
+            <p:cNvPr id="20" name="Google Shape;1765;p54">
               <a:extLst>
                 <a:ext uri="{FF2B5EF4-FFF2-40B4-BE49-F238E27FC236}">
                   <a16:creationId xmlns:a16="http://schemas.microsoft.com/office/drawing/2014/main" id="{3F0D32D4-A848-AE47-CF4E-9426BF3B98A1}"/>
@@ -34110,7 +33571,7 @@
         </p:sp>
         <p:grpSp>
           <p:nvGrpSpPr>
-            <p:cNvPr id="29" name="Google Shape;1766;p54">
+            <p:cNvPr id="21" name="Google Shape;1766;p54">
               <a:extLst>
                 <a:ext uri="{FF2B5EF4-FFF2-40B4-BE49-F238E27FC236}">
                   <a16:creationId xmlns:a16="http://schemas.microsoft.com/office/drawing/2014/main" id="{A5482DCF-1648-ADB1-486C-99DF191CA6CF}"/>
@@ -34131,7 +33592,7 @@
           </p:grpSpPr>
           <p:cxnSp>
             <p:nvCxnSpPr>
-              <p:cNvPr id="30" name="Google Shape;1767;p54">
+              <p:cNvPr id="22" name="Google Shape;1767;p54">
                 <a:extLst>
                   <a:ext uri="{FF2B5EF4-FFF2-40B4-BE49-F238E27FC236}">
                     <a16:creationId xmlns:a16="http://schemas.microsoft.com/office/drawing/2014/main" id="{CE785595-A4FD-73DC-E70E-12F5A53D7A25}"/>
@@ -34163,7 +33624,7 @@
           </p:cxnSp>
           <p:cxnSp>
             <p:nvCxnSpPr>
-              <p:cNvPr id="31" name="Google Shape;1768;p54">
+              <p:cNvPr id="23" name="Google Shape;1768;p54">
                 <a:extLst>
                   <a:ext uri="{FF2B5EF4-FFF2-40B4-BE49-F238E27FC236}">
                     <a16:creationId xmlns:a16="http://schemas.microsoft.com/office/drawing/2014/main" id="{61F93128-703F-97FA-330E-39E04761D344}"/>
@@ -34197,7 +33658,7 @@
       </p:grpSp>
       <p:sp>
         <p:nvSpPr>
-          <p:cNvPr id="32" name="Google Shape;991;p37">
+          <p:cNvPr id="24" name="Google Shape;991;p37">
             <a:extLst>
               <a:ext uri="{FF2B5EF4-FFF2-40B4-BE49-F238E27FC236}">
                 <a16:creationId xmlns:a16="http://schemas.microsoft.com/office/drawing/2014/main" id="{00E0AFF5-937A-E153-83E6-D1F979BAD3D7}"/>
@@ -34211,7 +33672,7 @@
         </p:nvSpPr>
         <p:spPr>
           <a:xfrm>
-            <a:off x="1332310" y="2103532"/>
+            <a:off x="1332310" y="3252542"/>
             <a:ext cx="5878812" cy="498299"/>
           </a:xfrm>
           <a:prstGeom prst="rect">
@@ -34488,7 +33949,7 @@
     </p:spTree>
     <p:extLst>
       <p:ext uri="{BB962C8B-B14F-4D97-AF65-F5344CB8AC3E}">
-        <p14:creationId xmlns:p14="http://schemas.microsoft.com/office/powerpoint/2010/main" val="4187689105"/>
+        <p14:creationId xmlns:p14="http://schemas.microsoft.com/office/powerpoint/2010/main" val="4150503591"/>
       </p:ext>
     </p:extLst>
   </p:cSld>
@@ -34498,7 +33959,7 @@
 </p:sld>
 </file>
 
-<file path=ppt/slides/slide6.xml><?xml version="1.0" encoding="utf-8"?>
+<file path=ppt/slides/slide5.xml><?xml version="1.0" encoding="utf-8"?>
 <p:sld xmlns:a="http://schemas.openxmlformats.org/drawingml/2006/main" xmlns:r="http://schemas.openxmlformats.org/officeDocument/2006/relationships" xmlns:p="http://schemas.openxmlformats.org/presentationml/2006/main">
   <p:cSld>
     <p:spTree>
@@ -34916,7 +34377,7 @@
 </p:sld>
 </file>
 
-<file path=ppt/slides/slide7.xml><?xml version="1.0" encoding="utf-8"?>
+<file path=ppt/slides/slide6.xml><?xml version="1.0" encoding="utf-8"?>
 <p:sld xmlns:a="http://schemas.openxmlformats.org/drawingml/2006/main" xmlns:r="http://schemas.openxmlformats.org/officeDocument/2006/relationships" xmlns:p="http://schemas.openxmlformats.org/presentationml/2006/main">
   <p:cSld>
     <p:spTree>
@@ -35218,7 +34679,7 @@
 </p:sld>
 </file>
 
-<file path=ppt/slides/slide8.xml><?xml version="1.0" encoding="utf-8"?>
+<file path=ppt/slides/slide7.xml><?xml version="1.0" encoding="utf-8"?>
 <p:sld xmlns:a="http://schemas.openxmlformats.org/drawingml/2006/main" xmlns:r="http://schemas.openxmlformats.org/officeDocument/2006/relationships" xmlns:p="http://schemas.openxmlformats.org/presentationml/2006/main">
   <p:cSld>
     <p:spTree>
@@ -35358,7 +34819,7 @@
 </p:sld>
 </file>
 
-<file path=ppt/slides/slide9.xml><?xml version="1.0" encoding="utf-8"?>
+<file path=ppt/slides/slide8.xml><?xml version="1.0" encoding="utf-8"?>
 <p:sld xmlns:a="http://schemas.openxmlformats.org/drawingml/2006/main" xmlns:r="http://schemas.openxmlformats.org/officeDocument/2006/relationships" xmlns:p="http://schemas.openxmlformats.org/presentationml/2006/main">
   <p:cSld>
     <p:spTree>
@@ -35503,6 +34964,103 @@
         <p14:creationId xmlns:p14="http://schemas.microsoft.com/office/powerpoint/2010/main" val="165268234"/>
       </p:ext>
     </p:extLst>
+  </p:cSld>
+  <p:clrMapOvr>
+    <a:masterClrMapping/>
+  </p:clrMapOvr>
+</p:sld>
+</file>
+
+<file path=ppt/slides/slide9.xml><?xml version="1.0" encoding="utf-8"?>
+<p:sld xmlns:a="http://schemas.openxmlformats.org/drawingml/2006/main" xmlns:r="http://schemas.openxmlformats.org/officeDocument/2006/relationships" xmlns:p="http://schemas.openxmlformats.org/presentationml/2006/main">
+  <p:cSld>
+    <p:spTree>
+      <p:nvGrpSpPr>
+        <p:cNvPr id="1" name="Shape 927"/>
+        <p:cNvGrpSpPr/>
+        <p:nvPr/>
+      </p:nvGrpSpPr>
+      <p:grpSpPr>
+        <a:xfrm>
+          <a:off x="0" y="0"/>
+          <a:ext cx="0" cy="0"/>
+          <a:chOff x="0" y="0"/>
+          <a:chExt cx="0" cy="0"/>
+        </a:xfrm>
+      </p:grpSpPr>
+      <p:sp>
+        <p:nvSpPr>
+          <p:cNvPr id="928" name="Google Shape;928;p34"/>
+          <p:cNvSpPr txBox="1">
+            <a:spLocks noGrp="1"/>
+          </p:cNvSpPr>
+          <p:nvPr>
+            <p:ph type="title"/>
+          </p:nvPr>
+        </p:nvSpPr>
+        <p:spPr>
+          <a:xfrm>
+            <a:off x="422634" y="0"/>
+            <a:ext cx="7704000" cy="572700"/>
+          </a:xfrm>
+          <a:prstGeom prst="rect">
+            <a:avLst/>
+          </a:prstGeom>
+        </p:spPr>
+        <p:txBody>
+          <a:bodyPr spcFirstLastPara="1" wrap="square" lIns="91425" tIns="91425" rIns="91425" bIns="91425" anchor="t" anchorCtr="0">
+            <a:noAutofit/>
+          </a:bodyPr>
+          <a:lstStyle/>
+          <a:p>
+            <a:pPr marL="0" lvl="0" indent="0" algn="l" rtl="0">
+              <a:spcBef>
+                <a:spcPts val="0"/>
+              </a:spcBef>
+              <a:spcAft>
+                <a:spcPts val="0"/>
+              </a:spcAft>
+              <a:buNone/>
+            </a:pPr>
+            <a:r>
+              <a:rPr lang="en" dirty="0"/>
+              <a:t>Architettura</a:t>
+            </a:r>
+            <a:endParaRPr dirty="0"/>
+          </a:p>
+        </p:txBody>
+      </p:sp>
+      <p:pic>
+        <p:nvPicPr>
+          <p:cNvPr id="3" name="Immagine 2">
+            <a:extLst>
+              <a:ext uri="{FF2B5EF4-FFF2-40B4-BE49-F238E27FC236}">
+                <a16:creationId xmlns:a16="http://schemas.microsoft.com/office/drawing/2014/main" id="{9D80B4E0-7AE9-CAFD-636D-80646F802E93}"/>
+              </a:ext>
+            </a:extLst>
+          </p:cNvPr>
+          <p:cNvPicPr>
+            <a:picLocks noChangeAspect="1"/>
+          </p:cNvPicPr>
+          <p:nvPr/>
+        </p:nvPicPr>
+        <p:blipFill>
+          <a:blip r:embed="rId3"/>
+          <a:stretch>
+            <a:fillRect/>
+          </a:stretch>
+        </p:blipFill>
+        <p:spPr>
+          <a:xfrm>
+            <a:off x="631198" y="502023"/>
+            <a:ext cx="7881603" cy="4496081"/>
+          </a:xfrm>
+          <a:prstGeom prst="rect">
+            <a:avLst/>
+          </a:prstGeom>
+        </p:spPr>
+      </p:pic>
+    </p:spTree>
   </p:cSld>
   <p:clrMapOvr>
     <a:masterClrMapping/>
